--- a/Employee Attrition Factors.pptx
+++ b/Employee Attrition Factors.pptx
@@ -119,6 +119,11 @@
       </a:defRPr>
     </a:lvl9pPr>
   </p:defaultTextStyle>
+  <p:extLst>
+    <p:ext uri="{EFAFB233-063F-42B5-8137-9DF3F51BA10A}">
+      <p15:sldGuideLst xmlns:p15="http://schemas.microsoft.com/office/powerpoint/2012/main"/>
+    </p:ext>
+  </p:extLst>
 </p:presentation>
 </file>
 
@@ -291,7 +296,7 @@
           <a:p>
             <a:fld id="{99940A5F-8095-4BB9-9BA1-8B4624CCC5A2}" type="datetimeFigureOut">
               <a:rPr lang="en-US" smtClean="0"/>
-              <a:t>7/28/2020</a:t>
+              <a:t>8/24/2020</a:t>
             </a:fld>
             <a:endParaRPr lang="en-US"/>
           </a:p>
@@ -621,7 +626,7 @@
           <a:p>
             <a:fld id="{99940A5F-8095-4BB9-9BA1-8B4624CCC5A2}" type="datetimeFigureOut">
               <a:rPr lang="en-US" smtClean="0"/>
-              <a:t>7/28/2020</a:t>
+              <a:t>8/24/2020</a:t>
             </a:fld>
             <a:endParaRPr lang="en-US"/>
           </a:p>
@@ -801,7 +806,7 @@
           <a:p>
             <a:fld id="{99940A5F-8095-4BB9-9BA1-8B4624CCC5A2}" type="datetimeFigureOut">
               <a:rPr lang="en-US" smtClean="0"/>
-              <a:t>7/28/2020</a:t>
+              <a:t>8/24/2020</a:t>
             </a:fld>
             <a:endParaRPr lang="en-US"/>
           </a:p>
@@ -971,7 +976,7 @@
           <a:p>
             <a:fld id="{99940A5F-8095-4BB9-9BA1-8B4624CCC5A2}" type="datetimeFigureOut">
               <a:rPr lang="en-US" smtClean="0"/>
-              <a:t>7/28/2020</a:t>
+              <a:t>8/24/2020</a:t>
             </a:fld>
             <a:endParaRPr lang="en-US"/>
           </a:p>
@@ -1248,7 +1253,7 @@
           <a:p>
             <a:fld id="{99940A5F-8095-4BB9-9BA1-8B4624CCC5A2}" type="datetimeFigureOut">
               <a:rPr lang="en-US" smtClean="0"/>
-              <a:t>7/28/2020</a:t>
+              <a:t>8/24/2020</a:t>
             </a:fld>
             <a:endParaRPr lang="en-US"/>
           </a:p>
@@ -1642,7 +1647,7 @@
           <a:p>
             <a:fld id="{99940A5F-8095-4BB9-9BA1-8B4624CCC5A2}" type="datetimeFigureOut">
               <a:rPr lang="en-US" smtClean="0"/>
-              <a:t>7/28/2020</a:t>
+              <a:t>8/24/2020</a:t>
             </a:fld>
             <a:endParaRPr lang="en-US"/>
           </a:p>
@@ -2119,7 +2124,7 @@
           <a:p>
             <a:fld id="{99940A5F-8095-4BB9-9BA1-8B4624CCC5A2}" type="datetimeFigureOut">
               <a:rPr lang="en-US" smtClean="0"/>
-              <a:t>7/28/2020</a:t>
+              <a:t>8/24/2020</a:t>
             </a:fld>
             <a:endParaRPr lang="en-US"/>
           </a:p>
@@ -2237,7 +2242,7 @@
           <a:p>
             <a:fld id="{99940A5F-8095-4BB9-9BA1-8B4624CCC5A2}" type="datetimeFigureOut">
               <a:rPr lang="en-US" smtClean="0"/>
-              <a:t>7/28/2020</a:t>
+              <a:t>8/24/2020</a:t>
             </a:fld>
             <a:endParaRPr lang="en-US"/>
           </a:p>
@@ -2332,7 +2337,7 @@
           <a:p>
             <a:fld id="{99940A5F-8095-4BB9-9BA1-8B4624CCC5A2}" type="datetimeFigureOut">
               <a:rPr lang="en-US" smtClean="0"/>
-              <a:t>7/28/2020</a:t>
+              <a:t>8/24/2020</a:t>
             </a:fld>
             <a:endParaRPr lang="en-US"/>
           </a:p>
@@ -2678,7 +2683,7 @@
           <a:p>
             <a:fld id="{99940A5F-8095-4BB9-9BA1-8B4624CCC5A2}" type="datetimeFigureOut">
               <a:rPr lang="en-US" smtClean="0"/>
-              <a:t>7/28/2020</a:t>
+              <a:t>8/24/2020</a:t>
             </a:fld>
             <a:endParaRPr lang="en-US"/>
           </a:p>
@@ -3066,7 +3071,7 @@
           <a:p>
             <a:fld id="{99940A5F-8095-4BB9-9BA1-8B4624CCC5A2}" type="datetimeFigureOut">
               <a:rPr lang="en-US" smtClean="0"/>
-              <a:t>7/28/2020</a:t>
+              <a:t>8/24/2020</a:t>
             </a:fld>
             <a:endParaRPr lang="en-US"/>
           </a:p>
@@ -3344,7 +3349,7 @@
           <a:p>
             <a:fld id="{99940A5F-8095-4BB9-9BA1-8B4624CCC5A2}" type="datetimeFigureOut">
               <a:rPr lang="en-US" smtClean="0"/>
-              <a:t>7/28/2020</a:t>
+              <a:t>8/24/2020</a:t>
             </a:fld>
             <a:endParaRPr lang="en-US"/>
           </a:p>
@@ -4928,109 +4933,27 @@
           <a:p>
             <a:r>
               <a:rPr lang="en-US" dirty="0"/>
-              <a:t>Poke </a:t>
-            </a:r>
-            <a:r>
-              <a:rPr lang="en-US" dirty="0" err="1"/>
-              <a:t>portland</a:t>
-            </a:r>
+              <a:t>Employee attrition refers to the loss of employees through a natural process, such as retirement, resignation, elimination of a position, personal health, or other similar reasons. </a:t>
+            </a:r>
+          </a:p>
+          <a:p>
             <a:r>
               <a:rPr lang="en-US" dirty="0"/>
-              <a:t> jean shorts cred waistcoat </a:t>
-            </a:r>
-            <a:r>
-              <a:rPr lang="en-US" dirty="0" err="1"/>
-              <a:t>williamsburg</a:t>
-            </a:r>
+              <a:t>When an employee leaves, it is a lot more expensive for a company to train or recruit a replacement. It is essential to retain talent to operate in a competitive environment.</a:t>
+            </a:r>
+          </a:p>
+          <a:p>
             <a:r>
               <a:rPr lang="en-US" dirty="0"/>
-              <a:t>. Poke </a:t>
-            </a:r>
-            <a:r>
-              <a:rPr lang="en-US" dirty="0" err="1"/>
-              <a:t>kickstarter</a:t>
+              <a:t>In this exercise, we will try </a:t>
+            </a:r>
+            <a:r>
+              <a:rPr lang="en-US"/>
+              <a:t>to understand </a:t>
             </a:r>
             <a:r>
               <a:rPr lang="en-US" dirty="0"/>
-              <a:t> </a:t>
-            </a:r>
-            <a:r>
-              <a:rPr lang="en-US" dirty="0" err="1"/>
-              <a:t>kogi</a:t>
-            </a:r>
-            <a:r>
-              <a:rPr lang="en-US" dirty="0"/>
-              <a:t> messenger bag echo park paleo </a:t>
-            </a:r>
-            <a:r>
-              <a:rPr lang="en-US" dirty="0" err="1"/>
-              <a:t>bushwick</a:t>
-            </a:r>
-            <a:r>
-              <a:rPr lang="en-US" dirty="0"/>
-              <a:t> </a:t>
-            </a:r>
-            <a:r>
-              <a:rPr lang="en-US" dirty="0" err="1"/>
-              <a:t>tumblr</a:t>
-            </a:r>
-            <a:r>
-              <a:rPr lang="en-US" dirty="0"/>
-              <a:t> tofu. </a:t>
-            </a:r>
-          </a:p>
-          <a:p>
-            <a:r>
-              <a:rPr lang="en-US" dirty="0"/>
-              <a:t>Live-edge yuccie poutine artisan blue bottle fixie gentrify. </a:t>
-            </a:r>
-          </a:p>
-          <a:p>
-            <a:r>
-              <a:rPr lang="en-US" dirty="0" err="1"/>
-              <a:t>Migas</a:t>
-            </a:r>
-            <a:r>
-              <a:rPr lang="en-US" dirty="0"/>
-              <a:t> freegan jianbing raw denim </a:t>
-            </a:r>
-            <a:r>
-              <a:rPr lang="en-US" dirty="0" err="1"/>
-              <a:t>microdosing</a:t>
-            </a:r>
-            <a:r>
-              <a:rPr lang="en-US" dirty="0"/>
-              <a:t>. Normcore </a:t>
-            </a:r>
-            <a:r>
-              <a:rPr lang="en-US" dirty="0" err="1"/>
-              <a:t>knausgaard</a:t>
-            </a:r>
-            <a:r>
-              <a:rPr lang="en-US" dirty="0"/>
-              <a:t> roof party, next level enamel pin flannel sriracha hoodie raclette </a:t>
-            </a:r>
-            <a:r>
-              <a:rPr lang="en-US" dirty="0" err="1"/>
-              <a:t>kickstarter</a:t>
-            </a:r>
-            <a:r>
-              <a:rPr lang="en-US" dirty="0"/>
-              <a:t>. </a:t>
-            </a:r>
-          </a:p>
-          <a:p>
-            <a:r>
-              <a:rPr lang="en-US" dirty="0"/>
-              <a:t>Chambray tofu </a:t>
-            </a:r>
-            <a:r>
-              <a:rPr lang="en-US" dirty="0" err="1"/>
-              <a:t>microdosing</a:t>
-            </a:r>
-            <a:r>
-              <a:rPr lang="en-US" dirty="0"/>
-              <a:t> typewriter farm-to-table letterpress copper mug raw denim post-ironic crucifix normcore heirloom gentrify.</a:t>
+              <a:t>the major contributing factors affecting employee turnover</a:t>
             </a:r>
           </a:p>
         </p:txBody>
